--- a/НИР.pptx
+++ b/НИР.pptx
@@ -119,6 +119,11 @@
       </a:defRPr>
     </a:lvl9pPr>
   </p:defaultTextStyle>
+  <p:extLst>
+    <p:ext uri="{EFAFB233-063F-42B5-8137-9DF3F51BA10A}">
+      <p15:sldGuideLst xmlns:p15="http://schemas.microsoft.com/office/powerpoint/2012/main"/>
+    </p:ext>
+  </p:extLst>
 </p:presentation>
 </file>
 
@@ -4300,7 +4305,15 @@
           <a:p>
             <a:r>
               <a:rPr lang="ru-RU" sz="2400" dirty="0"/>
-              <a:t>по продуктамв день</a:t>
+              <a:t>по продуктам</a:t>
+            </a:r>
+            <a:r>
+              <a:rPr lang="en-US" sz="2400" dirty="0"/>
+              <a:t> </a:t>
+            </a:r>
+            <a:r>
+              <a:rPr lang="ru-RU" sz="2400" dirty="0"/>
+              <a:t>в день</a:t>
             </a:r>
             <a:endParaRPr lang="en-US" sz="2400" dirty="0"/>
           </a:p>
@@ -4894,8 +4907,8 @@
           </a:p>
         </p:txBody>
       </p:sp>
-      <mc:AlternateContent xmlns:mc="http://schemas.openxmlformats.org/markup-compatibility/2006">
-        <mc:Choice xmlns:a14="http://schemas.microsoft.com/office/drawing/2010/main" Requires="a14">
+      <mc:AlternateContent xmlns:mc="http://schemas.openxmlformats.org/markup-compatibility/2006" xmlns:a14="http://schemas.microsoft.com/office/drawing/2010/main">
+        <mc:Choice Requires="a14">
           <p:sp>
             <p:nvSpPr>
               <p:cNvPr id="6" name="TextBox 5">
@@ -4924,6 +4937,7 @@
               </a:bodyPr>
               <a:lstStyle/>
               <a:p>
+                <a:pPr/>
                 <a14:m>
                   <m:oMathPara xmlns:m="http://schemas.openxmlformats.org/officeDocument/2006/math">
                     <m:oMathParaPr>
@@ -5046,7 +5060,7 @@
             </p:txBody>
           </p:sp>
         </mc:Choice>
-        <mc:Fallback>
+        <mc:Fallback xmlns="">
           <p:sp>
             <p:nvSpPr>
               <p:cNvPr id="6" name="TextBox 5">
@@ -5091,8 +5105,8 @@
           </p:sp>
         </mc:Fallback>
       </mc:AlternateContent>
-      <mc:AlternateContent xmlns:mc="http://schemas.openxmlformats.org/markup-compatibility/2006">
-        <mc:Choice xmlns:a14="http://schemas.microsoft.com/office/drawing/2010/main" Requires="a14">
+      <mc:AlternateContent xmlns:mc="http://schemas.openxmlformats.org/markup-compatibility/2006" xmlns:a14="http://schemas.microsoft.com/office/drawing/2010/main">
+        <mc:Choice Requires="a14">
           <p:sp>
             <p:nvSpPr>
               <p:cNvPr id="8" name="TextBox 7">
@@ -5121,6 +5135,7 @@
               </a:bodyPr>
               <a:lstStyle/>
               <a:p>
+                <a:pPr/>
                 <a14:m>
                   <m:oMathPara xmlns:m="http://schemas.openxmlformats.org/officeDocument/2006/math">
                     <m:oMathParaPr>
@@ -5415,7 +5430,7 @@
             </p:txBody>
           </p:sp>
         </mc:Choice>
-        <mc:Fallback>
+        <mc:Fallback xmlns="">
           <p:sp>
             <p:nvSpPr>
               <p:cNvPr id="8" name="TextBox 7">
@@ -5460,8 +5475,8 @@
           </p:sp>
         </mc:Fallback>
       </mc:AlternateContent>
-      <mc:AlternateContent xmlns:mc="http://schemas.openxmlformats.org/markup-compatibility/2006">
-        <mc:Choice xmlns:a14="http://schemas.microsoft.com/office/drawing/2010/main" Requires="a14">
+      <mc:AlternateContent xmlns:mc="http://schemas.openxmlformats.org/markup-compatibility/2006" xmlns:a14="http://schemas.microsoft.com/office/drawing/2010/main">
+        <mc:Choice Requires="a14">
           <p:sp>
             <p:nvSpPr>
               <p:cNvPr id="15" name="TextBox 14">
@@ -5490,6 +5505,7 @@
               </a:bodyPr>
               <a:lstStyle/>
               <a:p>
+                <a:pPr/>
                 <a14:m>
                   <m:oMathPara xmlns:m="http://schemas.openxmlformats.org/officeDocument/2006/math">
                     <m:oMathParaPr>
@@ -5656,7 +5672,7 @@
             </p:txBody>
           </p:sp>
         </mc:Choice>
-        <mc:Fallback>
+        <mc:Fallback xmlns="">
           <p:sp>
             <p:nvSpPr>
               <p:cNvPr id="15" name="TextBox 14">
@@ -5737,8 +5753,8 @@
           </a:p>
         </p:txBody>
       </p:sp>
-      <mc:AlternateContent xmlns:mc="http://schemas.openxmlformats.org/markup-compatibility/2006">
-        <mc:Choice xmlns:a14="http://schemas.microsoft.com/office/drawing/2010/main" Requires="a14">
+      <mc:AlternateContent xmlns:mc="http://schemas.openxmlformats.org/markup-compatibility/2006" xmlns:a14="http://schemas.microsoft.com/office/drawing/2010/main">
+        <mc:Choice Requires="a14">
           <p:sp>
             <p:nvSpPr>
               <p:cNvPr id="12" name="TextBox 11">
@@ -5811,7 +5827,7 @@
             </p:txBody>
           </p:sp>
         </mc:Choice>
-        <mc:Fallback>
+        <mc:Fallback xmlns="">
           <p:sp>
             <p:nvSpPr>
               <p:cNvPr id="12" name="TextBox 11">
@@ -5856,8 +5872,8 @@
           </p:sp>
         </mc:Fallback>
       </mc:AlternateContent>
-      <mc:AlternateContent xmlns:mc="http://schemas.openxmlformats.org/markup-compatibility/2006">
-        <mc:Choice xmlns:a14="http://schemas.microsoft.com/office/drawing/2010/main" Requires="a14">
+      <mc:AlternateContent xmlns:mc="http://schemas.openxmlformats.org/markup-compatibility/2006" xmlns:a14="http://schemas.microsoft.com/office/drawing/2010/main">
+        <mc:Choice Requires="a14">
           <p:sp>
             <p:nvSpPr>
               <p:cNvPr id="16" name="TextBox 15">
@@ -5886,7 +5902,6 @@
               </a:bodyPr>
               <a:lstStyle/>
               <a:p>
-                <a:pPr/>
                 <a:r>
                   <a:rPr lang="ru-RU" dirty="0"/>
                   <a:t>Множество русскоязычных слов обозначим за </a:t>
@@ -5896,7 +5911,7 @@
                     <m:sSup>
                       <m:sSupPr>
                         <m:ctrlPr>
-                          <a:rPr lang="en-US" b="0" i="0" dirty="0" smtClean="0">
+                          <a:rPr lang="en-US" b="0" i="1" dirty="0" smtClean="0">
                             <a:latin typeface="Cambria Math" panose="02040503050406030204" pitchFamily="18" charset="0"/>
                           </a:rPr>
                         </m:ctrlPr>
@@ -5966,13 +5981,7 @@
                         <a:rPr lang="en-US" b="0" i="0" dirty="0" smtClean="0">
                           <a:latin typeface="Cambria Math" panose="02040503050406030204" pitchFamily="18" charset="0"/>
                         </a:rPr>
-                        <m:t> слов</m:t>
-                      </m:r>
-                      <m:r>
-                        <a:rPr lang="ru-RU" b="0" i="0" dirty="0" smtClean="0">
-                          <a:latin typeface="Cambria Math" panose="02040503050406030204" pitchFamily="18" charset="0"/>
-                        </a:rPr>
-                        <m:t>.</m:t>
+                        <m:t> слов.</m:t>
                       </m:r>
                     </m:oMath>
                   </m:oMathPara>
@@ -5985,7 +5994,7 @@
             </p:txBody>
           </p:sp>
         </mc:Choice>
-        <mc:Fallback>
+        <mc:Fallback xmlns="">
           <p:sp>
             <p:nvSpPr>
               <p:cNvPr id="16" name="TextBox 15">
@@ -6130,8 +6139,8 @@
           </a:p>
         </p:txBody>
       </p:sp>
-      <mc:AlternateContent xmlns:mc="http://schemas.openxmlformats.org/markup-compatibility/2006">
-        <mc:Choice xmlns:a14="http://schemas.microsoft.com/office/drawing/2010/main" Requires="a14">
+      <mc:AlternateContent xmlns:mc="http://schemas.openxmlformats.org/markup-compatibility/2006" xmlns:a14="http://schemas.microsoft.com/office/drawing/2010/main">
+        <mc:Choice Requires="a14">
           <p:sp>
             <p:nvSpPr>
               <p:cNvPr id="6" name="TextBox 5">
@@ -6160,6 +6169,7 @@
               </a:bodyPr>
               <a:lstStyle/>
               <a:p>
+                <a:pPr/>
                 <a14:m>
                   <m:oMathPara xmlns:m="http://schemas.openxmlformats.org/officeDocument/2006/math">
                     <m:oMathParaPr>
@@ -6210,7 +6220,7 @@
             </p:txBody>
           </p:sp>
         </mc:Choice>
-        <mc:Fallback>
+        <mc:Fallback xmlns="">
           <p:sp>
             <p:nvSpPr>
               <p:cNvPr id="6" name="TextBox 5">
@@ -6255,8 +6265,8 @@
           </p:sp>
         </mc:Fallback>
       </mc:AlternateContent>
-      <mc:AlternateContent xmlns:mc="http://schemas.openxmlformats.org/markup-compatibility/2006">
-        <mc:Choice xmlns:a14="http://schemas.microsoft.com/office/drawing/2010/main" Requires="a14">
+      <mc:AlternateContent xmlns:mc="http://schemas.openxmlformats.org/markup-compatibility/2006" xmlns:a14="http://schemas.microsoft.com/office/drawing/2010/main">
+        <mc:Choice Requires="a14">
           <p:sp>
             <p:nvSpPr>
               <p:cNvPr id="8" name="TextBox 7">
@@ -6285,6 +6295,7 @@
               </a:bodyPr>
               <a:lstStyle/>
               <a:p>
+                <a:pPr/>
                 <a14:m>
                   <m:oMathPara xmlns:m="http://schemas.openxmlformats.org/officeDocument/2006/math">
                     <m:oMathParaPr>
@@ -6741,7 +6752,7 @@
             </p:txBody>
           </p:sp>
         </mc:Choice>
-        <mc:Fallback>
+        <mc:Fallback xmlns="">
           <p:sp>
             <p:nvSpPr>
               <p:cNvPr id="8" name="TextBox 7">
@@ -6786,8 +6797,8 @@
           </p:sp>
         </mc:Fallback>
       </mc:AlternateContent>
-      <mc:AlternateContent xmlns:mc="http://schemas.openxmlformats.org/markup-compatibility/2006">
-        <mc:Choice xmlns:a14="http://schemas.microsoft.com/office/drawing/2010/main" Requires="a14">
+      <mc:AlternateContent xmlns:mc="http://schemas.openxmlformats.org/markup-compatibility/2006" xmlns:a14="http://schemas.microsoft.com/office/drawing/2010/main">
+        <mc:Choice Requires="a14">
           <p:sp>
             <p:nvSpPr>
               <p:cNvPr id="15" name="TextBox 14">
@@ -6816,6 +6827,7 @@
               </a:bodyPr>
               <a:lstStyle/>
               <a:p>
+                <a:pPr/>
                 <a14:m>
                   <m:oMathPara xmlns:m="http://schemas.openxmlformats.org/officeDocument/2006/math">
                     <m:oMathParaPr>
@@ -6971,7 +6983,7 @@
             </p:txBody>
           </p:sp>
         </mc:Choice>
-        <mc:Fallback>
+        <mc:Fallback xmlns="">
           <p:sp>
             <p:nvSpPr>
               <p:cNvPr id="15" name="TextBox 14">
@@ -7016,8 +7028,8 @@
           </p:sp>
         </mc:Fallback>
       </mc:AlternateContent>
-      <mc:AlternateContent xmlns:mc="http://schemas.openxmlformats.org/markup-compatibility/2006">
-        <mc:Choice xmlns:a14="http://schemas.microsoft.com/office/drawing/2010/main" Requires="a14">
+      <mc:AlternateContent xmlns:mc="http://schemas.openxmlformats.org/markup-compatibility/2006" xmlns:a14="http://schemas.microsoft.com/office/drawing/2010/main">
+        <mc:Choice Requires="a14">
           <p:sp>
             <p:nvSpPr>
               <p:cNvPr id="9" name="TextBox 8">
@@ -7098,7 +7110,7 @@
             </p:txBody>
           </p:sp>
         </mc:Choice>
-        <mc:Fallback>
+        <mc:Fallback xmlns="">
           <p:sp>
             <p:nvSpPr>
               <p:cNvPr id="9" name="TextBox 8">
@@ -7143,8 +7155,8 @@
           </p:sp>
         </mc:Fallback>
       </mc:AlternateContent>
-      <mc:AlternateContent xmlns:mc="http://schemas.openxmlformats.org/markup-compatibility/2006">
-        <mc:Choice xmlns:a14="http://schemas.microsoft.com/office/drawing/2010/main" Requires="a14">
+      <mc:AlternateContent xmlns:mc="http://schemas.openxmlformats.org/markup-compatibility/2006" xmlns:a14="http://schemas.microsoft.com/office/drawing/2010/main">
+        <mc:Choice Requires="a14">
           <p:sp>
             <p:nvSpPr>
               <p:cNvPr id="12" name="TextBox 11">
@@ -7271,7 +7283,7 @@
             </p:txBody>
           </p:sp>
         </mc:Choice>
-        <mc:Fallback>
+        <mc:Fallback xmlns="">
           <p:sp>
             <p:nvSpPr>
               <p:cNvPr id="12" name="TextBox 11">
@@ -7316,8 +7328,8 @@
           </p:sp>
         </mc:Fallback>
       </mc:AlternateContent>
-      <mc:AlternateContent xmlns:mc="http://schemas.openxmlformats.org/markup-compatibility/2006">
-        <mc:Choice xmlns:a14="http://schemas.microsoft.com/office/drawing/2010/main" Requires="a14">
+      <mc:AlternateContent xmlns:mc="http://schemas.openxmlformats.org/markup-compatibility/2006" xmlns:a14="http://schemas.microsoft.com/office/drawing/2010/main">
+        <mc:Choice Requires="a14">
           <p:sp>
             <p:nvSpPr>
               <p:cNvPr id="16" name="TextBox 15">
@@ -7346,7 +7358,6 @@
               </a:bodyPr>
               <a:lstStyle/>
               <a:p>
-                <a:pPr/>
                 <a:r>
                   <a:rPr lang="ru-RU" dirty="0"/>
                   <a:t>На вход системы подается множество обращений </a:t>
@@ -7370,7 +7381,6 @@
                 <a:endParaRPr lang="en-US" dirty="0"/>
               </a:p>
               <a:p>
-                <a:pPr/>
                 <a:r>
                   <a:rPr lang="ru-RU" dirty="0"/>
                   <a:t>Необходимо разработать оператор </a:t>
@@ -7414,7 +7424,7 @@
             </p:txBody>
           </p:sp>
         </mc:Choice>
-        <mc:Fallback>
+        <mc:Fallback xmlns="">
           <p:sp>
             <p:nvSpPr>
               <p:cNvPr id="16" name="TextBox 15">
@@ -8099,7 +8109,7 @@
             </a:pPr>
             <a:r>
               <a:rPr lang="ru-RU" sz="3200" dirty="0"/>
-              <a:t>Выполнена содержательная и математическая постановка задачи</a:t>
+              <a:t>Выполнена содержательная и математическая постановки задачи</a:t>
             </a:r>
           </a:p>
           <a:p>
